--- a/test.pptx
+++ b/test.pptx
@@ -10,6 +10,7 @@
     <p:sldId id="258" r:id="rId4"/>
     <p:sldId id="259" r:id="rId5"/>
     <p:sldId id="260" r:id="rId6"/>
+    <p:sldId id="261" r:id="rId7"/>
   </p:sldIdLst>
   <p:sldSz cx="12192000" cy="6858000"/>
   <p:notesSz cx="6858000" cy="9144000"/>
@@ -3674,7 +3675,7 @@
           <a:p>
             <a:fld id="{18ED1853-EC6A-F244-8D3B-C13A21A74960}" type="datetimeFigureOut">
               <a:rPr lang="en-US" smtClean="0"/>
-              <a:t>7/3/20</a:t>
+              <a:t>7/5/20</a:t>
             </a:fld>
             <a:endParaRPr lang="en-US"/>
           </a:p>
@@ -3842,7 +3843,7 @@
           <a:p>
             <a:fld id="{18ED1853-EC6A-F244-8D3B-C13A21A74960}" type="datetimeFigureOut">
               <a:rPr lang="en-US" smtClean="0"/>
-              <a:t>7/3/20</a:t>
+              <a:t>7/5/20</a:t>
             </a:fld>
             <a:endParaRPr lang="en-US"/>
           </a:p>
@@ -4020,7 +4021,7 @@
           <a:p>
             <a:fld id="{18ED1853-EC6A-F244-8D3B-C13A21A74960}" type="datetimeFigureOut">
               <a:rPr lang="en-US" smtClean="0"/>
-              <a:t>7/3/20</a:t>
+              <a:t>7/5/20</a:t>
             </a:fld>
             <a:endParaRPr lang="en-US"/>
           </a:p>
@@ -4188,7 +4189,7 @@
           <a:p>
             <a:fld id="{18ED1853-EC6A-F244-8D3B-C13A21A74960}" type="datetimeFigureOut">
               <a:rPr lang="en-US" smtClean="0"/>
-              <a:t>7/3/20</a:t>
+              <a:t>7/5/20</a:t>
             </a:fld>
             <a:endParaRPr lang="en-US"/>
           </a:p>
@@ -4433,7 +4434,7 @@
           <a:p>
             <a:fld id="{18ED1853-EC6A-F244-8D3B-C13A21A74960}" type="datetimeFigureOut">
               <a:rPr lang="en-US" smtClean="0"/>
-              <a:t>7/3/20</a:t>
+              <a:t>7/5/20</a:t>
             </a:fld>
             <a:endParaRPr lang="en-US"/>
           </a:p>
@@ -4662,7 +4663,7 @@
           <a:p>
             <a:fld id="{18ED1853-EC6A-F244-8D3B-C13A21A74960}" type="datetimeFigureOut">
               <a:rPr lang="en-US" smtClean="0"/>
-              <a:t>7/3/20</a:t>
+              <a:t>7/5/20</a:t>
             </a:fld>
             <a:endParaRPr lang="en-US"/>
           </a:p>
@@ -5026,7 +5027,7 @@
           <a:p>
             <a:fld id="{18ED1853-EC6A-F244-8D3B-C13A21A74960}" type="datetimeFigureOut">
               <a:rPr lang="en-US" smtClean="0"/>
-              <a:t>7/3/20</a:t>
+              <a:t>7/5/20</a:t>
             </a:fld>
             <a:endParaRPr lang="en-US"/>
           </a:p>
@@ -5143,7 +5144,7 @@
           <a:p>
             <a:fld id="{18ED1853-EC6A-F244-8D3B-C13A21A74960}" type="datetimeFigureOut">
               <a:rPr lang="en-US" smtClean="0"/>
-              <a:t>7/3/20</a:t>
+              <a:t>7/5/20</a:t>
             </a:fld>
             <a:endParaRPr lang="en-US"/>
           </a:p>
@@ -5238,7 +5239,7 @@
           <a:p>
             <a:fld id="{18ED1853-EC6A-F244-8D3B-C13A21A74960}" type="datetimeFigureOut">
               <a:rPr lang="en-US" smtClean="0"/>
-              <a:t>7/3/20</a:t>
+              <a:t>7/5/20</a:t>
             </a:fld>
             <a:endParaRPr lang="en-US"/>
           </a:p>
@@ -5513,7 +5514,7 @@
           <a:p>
             <a:fld id="{18ED1853-EC6A-F244-8D3B-C13A21A74960}" type="datetimeFigureOut">
               <a:rPr lang="en-US" smtClean="0"/>
-              <a:t>7/3/20</a:t>
+              <a:t>7/5/20</a:t>
             </a:fld>
             <a:endParaRPr lang="en-US"/>
           </a:p>
@@ -5765,7 +5766,7 @@
           <a:p>
             <a:fld id="{18ED1853-EC6A-F244-8D3B-C13A21A74960}" type="datetimeFigureOut">
               <a:rPr lang="en-US" smtClean="0"/>
-              <a:t>7/3/20</a:t>
+              <a:t>7/5/20</a:t>
             </a:fld>
             <a:endParaRPr lang="en-US"/>
           </a:p>
@@ -5976,7 +5977,7 @@
           <a:p>
             <a:fld id="{18ED1853-EC6A-F244-8D3B-C13A21A74960}" type="datetimeFigureOut">
               <a:rPr lang="en-US" smtClean="0"/>
-              <a:t>7/3/20</a:t>
+              <a:t>7/5/20</a:t>
             </a:fld>
             <a:endParaRPr lang="en-US"/>
           </a:p>
@@ -6490,14 +6491,14 @@
             <p:ph idx="1"/>
             <p:extLst>
               <p:ext uri="{D42A27DB-BD31-4B8C-83A1-F6EECF244321}">
-                <p14:modId xmlns:p14="http://schemas.microsoft.com/office/powerpoint/2010/main" val="508568633"/>
+                <p14:modId xmlns:p14="http://schemas.microsoft.com/office/powerpoint/2010/main" val="472287600"/>
               </p:ext>
             </p:extLst>
           </p:nvPr>
         </p:nvGraphicFramePr>
         <p:xfrm>
-          <a:off x="141766" y="2909454"/>
-          <a:ext cx="11908467" cy="3861140"/>
+          <a:off x="608014" y="1943100"/>
+          <a:ext cx="10975971" cy="4406899"/>
         </p:xfrm>
         <a:graphic>
           <a:graphicData uri="http://schemas.openxmlformats.org/drawingml/2006/table">
@@ -6506,63 +6507,49 @@
                 <a:tableStyleId>{5C22544A-7EE6-4342-B048-85BDC9FD1C3A}</a:tableStyleId>
               </a:tblPr>
               <a:tblGrid>
-                <a:gridCol w="1323163">
+                <a:gridCol w="866782">
                   <a:extLst>
                     <a:ext uri="{9D8B030D-6E8A-4147-A177-3AD203B41FA5}">
                       <a16:colId xmlns:a16="http://schemas.microsoft.com/office/drawing/2014/main" val="2787724352"/>
                     </a:ext>
                   </a:extLst>
                 </a:gridCol>
-                <a:gridCol w="1323163">
+                <a:gridCol w="2159611">
                   <a:extLst>
                     <a:ext uri="{9D8B030D-6E8A-4147-A177-3AD203B41FA5}">
                       <a16:colId xmlns:a16="http://schemas.microsoft.com/office/drawing/2014/main" val="1721832377"/>
                     </a:ext>
                   </a:extLst>
                 </a:gridCol>
-                <a:gridCol w="1323163">
+                <a:gridCol w="2027390">
                   <a:extLst>
                     <a:ext uri="{9D8B030D-6E8A-4147-A177-3AD203B41FA5}">
-                      <a16:colId xmlns:a16="http://schemas.microsoft.com/office/drawing/2014/main" val="1431276054"/>
+                      <a16:colId xmlns:a16="http://schemas.microsoft.com/office/drawing/2014/main" val="4160810119"/>
                     </a:ext>
                   </a:extLst>
                 </a:gridCol>
-                <a:gridCol w="1323163">
-                  <a:extLst>
-                    <a:ext uri="{9D8B030D-6E8A-4147-A177-3AD203B41FA5}">
-                      <a16:colId xmlns:a16="http://schemas.microsoft.com/office/drawing/2014/main" val="3487416678"/>
-                    </a:ext>
-                  </a:extLst>
-                </a:gridCol>
-                <a:gridCol w="1323163">
-                  <a:extLst>
-                    <a:ext uri="{9D8B030D-6E8A-4147-A177-3AD203B41FA5}">
-                      <a16:colId xmlns:a16="http://schemas.microsoft.com/office/drawing/2014/main" val="4161739303"/>
-                    </a:ext>
-                  </a:extLst>
-                </a:gridCol>
-                <a:gridCol w="1323163">
-                  <a:extLst>
-                    <a:ext uri="{9D8B030D-6E8A-4147-A177-3AD203B41FA5}">
-                      <a16:colId xmlns:a16="http://schemas.microsoft.com/office/drawing/2014/main" val="50095731"/>
-                    </a:ext>
-                  </a:extLst>
-                </a:gridCol>
-                <a:gridCol w="1323163">
+                <a:gridCol w="1322210">
                   <a:extLst>
                     <a:ext uri="{9D8B030D-6E8A-4147-A177-3AD203B41FA5}">
                       <a16:colId xmlns:a16="http://schemas.microsoft.com/office/drawing/2014/main" val="2003876760"/>
                     </a:ext>
                   </a:extLst>
                 </a:gridCol>
-                <a:gridCol w="1323163">
+                <a:gridCol w="1409369">
                   <a:extLst>
                     <a:ext uri="{9D8B030D-6E8A-4147-A177-3AD203B41FA5}">
-                      <a16:colId xmlns:a16="http://schemas.microsoft.com/office/drawing/2014/main" val="430468621"/>
+                      <a16:colId xmlns:a16="http://schemas.microsoft.com/office/drawing/2014/main" val="2128805951"/>
                     </a:ext>
                   </a:extLst>
                 </a:gridCol>
-                <a:gridCol w="1323163">
+                <a:gridCol w="1941855">
+                  <a:extLst>
+                    <a:ext uri="{9D8B030D-6E8A-4147-A177-3AD203B41FA5}">
+                      <a16:colId xmlns:a16="http://schemas.microsoft.com/office/drawing/2014/main" val="725669243"/>
+                    </a:ext>
+                  </a:extLst>
+                </a:gridCol>
+                <a:gridCol w="1248754">
                   <a:extLst>
                     <a:ext uri="{9D8B030D-6E8A-4147-A177-3AD203B41FA5}">
                       <a16:colId xmlns:a16="http://schemas.microsoft.com/office/drawing/2014/main" val="2535016645"/>
@@ -6570,7 +6557,7 @@
                   </a:extLst>
                 </a:gridCol>
               </a:tblGrid>
-              <a:tr h="641158">
+              <a:tr h="768087">
                 <a:tc>
                   <a:txBody>
                     <a:bodyPr/>
@@ -6598,7 +6585,7 @@
                       </a:pPr>
                       <a:r>
                         <a:rPr lang="en-US" altLang="zh-CN"/>
-                        <a:t>DSTC 1-6</a:t>
+                        <a:t>DSTC 1-7</a:t>
                       </a:r>
                       <a:endParaRPr lang="zh-CN" altLang="en-US"/>
                     </a:p>
@@ -6617,7 +6604,7 @@
                       </a:pPr>
                       <a:r>
                         <a:rPr lang="en-US" altLang="zh-CN"/>
-                        <a:t>DSTC 7</a:t>
+                        <a:t>DSTC 9</a:t>
                       </a:r>
                       <a:endParaRPr lang="zh-CN" altLang="en-US"/>
                     </a:p>
@@ -6636,7 +6623,7 @@
                       </a:pPr>
                       <a:r>
                         <a:rPr lang="en-US" altLang="zh-CN"/>
-                        <a:t>DSTC 8</a:t>
+                        <a:t>JD DC</a:t>
                       </a:r>
                       <a:endParaRPr lang="zh-CN" altLang="en-US"/>
                     </a:p>
@@ -6655,17 +6642,14 @@
                       </a:pPr>
                       <a:r>
                         <a:rPr lang="en-US" altLang="zh-CN"/>
-                        <a:t>DSTC 9</a:t>
-                      </a:r>
-                      <a:endParaRPr lang="zh-CN" altLang="en-US"/>
-                    </a:p>
-                  </a:txBody>
-                  <a:tcPr anchor="ctr"/>
-                </a:tc>
-                <a:tc>
-                  <a:txBody>
-                    <a:bodyPr/>
-                    <a:lstStyle/>
+                        <a:t>SMP-ECDT</a:t>
+                      </a:r>
+                      <a:r>
+                        <a:rPr lang="zh-CN" altLang="en-US"/>
+                        <a:t> </a:t>
+                      </a:r>
+                      <a:endParaRPr lang="en-US" altLang="zh-CN"/>
+                    </a:p>
                     <a:p>
                       <a:pPr algn="ctr">
                         <a:lnSpc>
@@ -6674,7 +6658,7 @@
                       </a:pPr>
                       <a:r>
                         <a:rPr lang="en-US" altLang="zh-CN"/>
-                        <a:t>Microsoft Dialog Challenge</a:t>
+                        <a:t>17-19</a:t>
                       </a:r>
                       <a:endParaRPr lang="zh-CN" altLang="en-US"/>
                     </a:p>
@@ -6693,26 +6677,15 @@
                       </a:pPr>
                       <a:r>
                         <a:rPr lang="en-US" altLang="zh-CN"/>
-                        <a:t>JD DC</a:t>
-                      </a:r>
-                      <a:endParaRPr lang="zh-CN" altLang="en-US"/>
-                    </a:p>
-                  </a:txBody>
-                  <a:tcPr anchor="ctr"/>
-                </a:tc>
-                <a:tc>
-                  <a:txBody>
-                    <a:bodyPr/>
-                    <a:lstStyle/>
-                    <a:p>
-                      <a:pPr algn="ctr">
-                        <a:lnSpc>
-                          <a:spcPct val="100000"/>
-                        </a:lnSpc>
-                      </a:pPr>
+                        <a:t>SMP-ECDT</a:t>
+                      </a:r>
+                      <a:r>
+                        <a:rPr lang="zh-CN" altLang="en-US"/>
+                        <a:t> </a:t>
+                      </a:r>
                       <a:r>
                         <a:rPr lang="en-US" altLang="zh-CN"/>
-                        <a:t>SMP-ECDT</a:t>
+                        <a:t>20</a:t>
                       </a:r>
                       <a:endParaRPr lang="zh-CN" altLang="en-US"/>
                     </a:p>
@@ -6744,7 +6717,7 @@
                   </a:ext>
                 </a:extLst>
               </a:tr>
-              <a:tr h="736685">
+              <a:tr h="991237">
                 <a:tc>
                   <a:txBody>
                     <a:bodyPr/>
@@ -6755,12 +6728,15 @@
                           <a:spcPct val="100000"/>
                         </a:lnSpc>
                       </a:pPr>
-                      <a:endParaRPr lang="zh-CN" altLang="en-US"/>
+                      <a:r>
+                        <a:rPr lang="zh-CN" altLang="en-US"/>
+                        <a:t>组织机构</a:t>
+                      </a:r>
                     </a:p>
                   </a:txBody>
                   <a:tcPr anchor="ctr"/>
                 </a:tc>
-                <a:tc>
+                <a:tc gridSpan="2">
                   <a:txBody>
                     <a:bodyPr/>
                     <a:lstStyle/>
@@ -6770,25 +6746,35 @@
                           <a:spcPct val="100000"/>
                         </a:lnSpc>
                       </a:pPr>
-                      <a:endParaRPr lang="zh-CN" altLang="en-US"/>
-                    </a:p>
-                  </a:txBody>
-                  <a:tcPr anchor="ctr"/>
-                </a:tc>
-                <a:tc>
-                  <a:txBody>
-                    <a:bodyPr/>
-                    <a:lstStyle/>
+                      <a:r>
+                        <a:rPr lang="en-US" altLang="zh-CN"/>
+                        <a:t>MSR/Alexa/CMU</a:t>
+                      </a:r>
+                    </a:p>
                     <a:p>
                       <a:pPr algn="ctr">
                         <a:lnSpc>
                           <a:spcPct val="100000"/>
                         </a:lnSpc>
                       </a:pPr>
+                      <a:r>
+                        <a:rPr lang="en-US" altLang="zh-CN"/>
+                        <a:t>Facebook/IBM/Google etc</a:t>
+                      </a:r>
                       <a:endParaRPr lang="zh-CN" altLang="en-US"/>
                     </a:p>
                   </a:txBody>
                   <a:tcPr anchor="ctr"/>
+                </a:tc>
+                <a:tc hMerge="1">
+                  <a:txBody>
+                    <a:bodyPr/>
+                    <a:lstStyle/>
+                    <a:p>
+                      <a:endParaRPr lang="zh-CN" altLang="en-US"/>
+                    </a:p>
+                  </a:txBody>
+                  <a:tcPr/>
                 </a:tc>
                 <a:tc>
                   <a:txBody>
@@ -6800,12 +6786,15 @@
                           <a:spcPct val="100000"/>
                         </a:lnSpc>
                       </a:pPr>
-                      <a:endParaRPr lang="zh-CN" altLang="en-US"/>
+                      <a:r>
+                        <a:rPr lang="zh-CN" altLang="en-US"/>
+                        <a:t>京东</a:t>
+                      </a:r>
                     </a:p>
                   </a:txBody>
                   <a:tcPr anchor="ctr"/>
                 </a:tc>
-                <a:tc>
+                <a:tc gridSpan="2">
                   <a:txBody>
                     <a:bodyPr/>
                     <a:lstStyle/>
@@ -6815,12 +6804,32 @@
                           <a:spcPct val="100000"/>
                         </a:lnSpc>
                       </a:pPr>
-                      <a:endParaRPr lang="zh-CN" altLang="en-US"/>
+                      <a:r>
+                        <a:rPr lang="zh-CN" altLang="en-US"/>
+                        <a:t>哈工大</a:t>
+                      </a:r>
+                      <a:r>
+                        <a:rPr lang="en-US" altLang="zh-CN"/>
+                        <a:t>/</a:t>
+                      </a:r>
+                      <a:r>
+                        <a:rPr lang="zh-CN" altLang="en-US"/>
+                        <a:t>讯飞</a:t>
+                      </a:r>
+                      <a:r>
+                        <a:rPr lang="en-US" altLang="zh-CN"/>
+                        <a:t>/</a:t>
+                      </a:r>
+                      <a:r>
+                        <a:rPr lang="zh-CN" altLang="en-US"/>
+                        <a:t>清华大学</a:t>
+                      </a:r>
+                      <a:endParaRPr lang="en-US" altLang="zh-CN"/>
                     </a:p>
                   </a:txBody>
                   <a:tcPr anchor="ctr"/>
                 </a:tc>
-                <a:tc>
+                <a:tc hMerge="1">
                   <a:txBody>
                     <a:bodyPr/>
                     <a:lstStyle/>
@@ -6830,7 +6839,7 @@
                           <a:spcPct val="100000"/>
                         </a:lnSpc>
                       </a:pPr>
-                      <a:endParaRPr lang="zh-CN" altLang="en-US"/>
+                      <a:endParaRPr lang="en-US" altLang="zh-CN"/>
                     </a:p>
                   </a:txBody>
                   <a:tcPr anchor="ctr"/>
@@ -6845,37 +6854,10 @@
                           <a:spcPct val="100000"/>
                         </a:lnSpc>
                       </a:pPr>
-                      <a:endParaRPr lang="zh-CN" altLang="en-US"/>
-                    </a:p>
-                  </a:txBody>
-                  <a:tcPr anchor="ctr"/>
-                </a:tc>
-                <a:tc>
-                  <a:txBody>
-                    <a:bodyPr/>
-                    <a:lstStyle/>
-                    <a:p>
-                      <a:pPr algn="ctr">
-                        <a:lnSpc>
-                          <a:spcPct val="100000"/>
-                        </a:lnSpc>
-                      </a:pPr>
-                      <a:endParaRPr lang="zh-CN" altLang="en-US"/>
-                    </a:p>
-                  </a:txBody>
-                  <a:tcPr anchor="ctr"/>
-                </a:tc>
-                <a:tc>
-                  <a:txBody>
-                    <a:bodyPr/>
-                    <a:lstStyle/>
-                    <a:p>
-                      <a:pPr algn="ctr">
-                        <a:lnSpc>
-                          <a:spcPct val="100000"/>
-                        </a:lnSpc>
-                      </a:pPr>
-                      <a:endParaRPr lang="zh-CN" altLang="en-US"/>
+                      <a:r>
+                        <a:rPr lang="zh-CN" altLang="en-US"/>
+                        <a:t>哈工大</a:t>
+                      </a:r>
                     </a:p>
                   </a:txBody>
                   <a:tcPr anchor="ctr"/>
@@ -6886,7 +6868,7 @@
                   </a:ext>
                 </a:extLst>
               </a:tr>
-              <a:tr h="736685">
+              <a:tr h="882525">
                 <a:tc>
                   <a:txBody>
                     <a:bodyPr/>
@@ -6897,7 +6879,10 @@
                           <a:spcPct val="100000"/>
                         </a:lnSpc>
                       </a:pPr>
-                      <a:endParaRPr lang="zh-CN" altLang="en-US"/>
+                      <a:r>
+                        <a:rPr lang="zh-CN" altLang="en-US"/>
+                        <a:t>任务简述</a:t>
+                      </a:r>
                     </a:p>
                   </a:txBody>
                   <a:tcPr anchor="ctr"/>
@@ -6912,7 +6897,18 @@
                           <a:spcPct val="100000"/>
                         </a:lnSpc>
                       </a:pPr>
-                      <a:endParaRPr lang="zh-CN" altLang="en-US"/>
+                      <a:r>
+                        <a:rPr lang="zh-CN" altLang="en-US"/>
+                        <a:t>端到端任务型对话回复生成</a:t>
+                      </a:r>
+                      <a:r>
+                        <a:rPr lang="en-US" altLang="zh-CN"/>
+                        <a:t>/</a:t>
+                      </a:r>
+                      <a:r>
+                        <a:rPr lang="zh-CN" altLang="en-US"/>
+                        <a:t>检索等</a:t>
+                      </a:r>
                     </a:p>
                   </a:txBody>
                   <a:tcPr anchor="ctr"/>
@@ -6927,22 +6923,30 @@
                           <a:spcPct val="100000"/>
                         </a:lnSpc>
                       </a:pPr>
-                      <a:endParaRPr lang="zh-CN" altLang="en-US"/>
-                    </a:p>
-                  </a:txBody>
-                  <a:tcPr anchor="ctr"/>
-                </a:tc>
-                <a:tc>
-                  <a:txBody>
-                    <a:bodyPr/>
-                    <a:lstStyle/>
+                      <a:r>
+                        <a:rPr lang="zh-CN" altLang="en-US"/>
+                        <a:t>基于知识对话</a:t>
+                      </a:r>
+                      <a:endParaRPr lang="en-US" altLang="zh-CN"/>
+                    </a:p>
                     <a:p>
                       <a:pPr algn="ctr">
                         <a:lnSpc>
                           <a:spcPct val="100000"/>
                         </a:lnSpc>
                       </a:pPr>
-                      <a:endParaRPr lang="zh-CN" altLang="en-US"/>
+                      <a:r>
+                        <a:rPr lang="zh-CN" altLang="en-US"/>
+                        <a:t>对话评测</a:t>
+                      </a:r>
+                      <a:r>
+                        <a:rPr lang="en-US" altLang="zh-CN"/>
+                        <a:t>/</a:t>
+                      </a:r>
+                      <a:r>
+                        <a:rPr lang="zh-CN" altLang="en-US"/>
+                        <a:t>多模态</a:t>
+                      </a:r>
                     </a:p>
                   </a:txBody>
                   <a:tcPr anchor="ctr"/>
@@ -6957,22 +6961,22 @@
                           <a:spcPct val="100000"/>
                         </a:lnSpc>
                       </a:pPr>
-                      <a:endParaRPr lang="zh-CN" altLang="en-US"/>
-                    </a:p>
-                  </a:txBody>
-                  <a:tcPr anchor="ctr"/>
-                </a:tc>
-                <a:tc>
-                  <a:txBody>
-                    <a:bodyPr/>
-                    <a:lstStyle/>
+                      <a:r>
+                        <a:rPr lang="zh-CN" altLang="en-US"/>
+                        <a:t>客服对话</a:t>
+                      </a:r>
+                      <a:endParaRPr lang="en-US" altLang="zh-CN"/>
+                    </a:p>
                     <a:p>
                       <a:pPr algn="ctr">
                         <a:lnSpc>
                           <a:spcPct val="100000"/>
                         </a:lnSpc>
                       </a:pPr>
-                      <a:endParaRPr lang="zh-CN" altLang="en-US"/>
+                      <a:r>
+                        <a:rPr lang="zh-CN" altLang="en-US"/>
+                        <a:t>多模态</a:t>
+                      </a:r>
                     </a:p>
                   </a:txBody>
                   <a:tcPr anchor="ctr"/>
@@ -6987,22 +6991,22 @@
                           <a:spcPct val="100000"/>
                         </a:lnSpc>
                       </a:pPr>
-                      <a:endParaRPr lang="zh-CN" altLang="en-US"/>
-                    </a:p>
-                  </a:txBody>
-                  <a:tcPr anchor="ctr"/>
-                </a:tc>
-                <a:tc>
-                  <a:txBody>
-                    <a:bodyPr/>
-                    <a:lstStyle/>
+                      <a:r>
+                        <a:rPr lang="zh-CN" altLang="en-US"/>
+                        <a:t>意图分类</a:t>
+                      </a:r>
+                      <a:endParaRPr lang="en-US" altLang="zh-CN"/>
+                    </a:p>
                     <a:p>
                       <a:pPr algn="ctr">
                         <a:lnSpc>
                           <a:spcPct val="100000"/>
                         </a:lnSpc>
                       </a:pPr>
-                      <a:endParaRPr lang="zh-CN" altLang="en-US"/>
+                      <a:r>
+                        <a:rPr lang="zh-CN" altLang="en-US"/>
+                        <a:t>任务型对话</a:t>
+                      </a:r>
                     </a:p>
                   </a:txBody>
                   <a:tcPr anchor="ctr"/>
@@ -7017,7 +7021,52 @@
                           <a:spcPct val="100000"/>
                         </a:lnSpc>
                       </a:pPr>
-                      <a:endParaRPr lang="zh-CN" altLang="en-US"/>
+                      <a:r>
+                        <a:rPr lang="zh-CN" altLang="en-US"/>
+                        <a:t>小样本语言理解</a:t>
+                      </a:r>
+                      <a:endParaRPr lang="en-US" altLang="zh-CN"/>
+                    </a:p>
+                    <a:p>
+                      <a:pPr algn="ctr">
+                        <a:lnSpc>
+                          <a:spcPct val="100000"/>
+                        </a:lnSpc>
+                      </a:pPr>
+                      <a:r>
+                        <a:rPr lang="zh-CN" altLang="en-US"/>
+                        <a:t>知识驱动对话</a:t>
+                      </a:r>
+                    </a:p>
+                  </a:txBody>
+                  <a:tcPr anchor="ctr"/>
+                </a:tc>
+                <a:tc>
+                  <a:txBody>
+                    <a:bodyPr/>
+                    <a:lstStyle/>
+                    <a:p>
+                      <a:pPr algn="ctr">
+                        <a:lnSpc>
+                          <a:spcPct val="100000"/>
+                        </a:lnSpc>
+                      </a:pPr>
+                      <a:r>
+                        <a:rPr lang="zh-CN" altLang="en-US"/>
+                        <a:t>机器人</a:t>
+                      </a:r>
+                      <a:endParaRPr lang="en-US" altLang="zh-CN"/>
+                    </a:p>
+                    <a:p>
+                      <a:pPr algn="ctr">
+                        <a:lnSpc>
+                          <a:spcPct val="100000"/>
+                        </a:lnSpc>
+                      </a:pPr>
+                      <a:r>
+                        <a:rPr lang="zh-CN" altLang="en-US"/>
+                        <a:t>群聊对话</a:t>
+                      </a:r>
                     </a:p>
                   </a:txBody>
                   <a:tcPr anchor="ctr"/>
@@ -7028,7 +7077,7 @@
                   </a:ext>
                 </a:extLst>
               </a:tr>
-              <a:tr h="736685">
+              <a:tr h="882525">
                 <a:tc>
                   <a:txBody>
                     <a:bodyPr/>
@@ -7039,12 +7088,15 @@
                           <a:spcPct val="100000"/>
                         </a:lnSpc>
                       </a:pPr>
-                      <a:endParaRPr lang="zh-CN" altLang="en-US"/>
+                      <a:r>
+                        <a:rPr lang="zh-CN" altLang="en-US"/>
+                        <a:t>评测方式</a:t>
+                      </a:r>
                     </a:p>
                   </a:txBody>
                   <a:tcPr anchor="ctr"/>
                 </a:tc>
-                <a:tc>
+                <a:tc gridSpan="2">
                   <a:txBody>
                     <a:bodyPr/>
                     <a:lstStyle/>
@@ -7054,10 +7106,31 @@
                           <a:spcPct val="100000"/>
                         </a:lnSpc>
                       </a:pPr>
+                      <a:r>
+                        <a:rPr lang="zh-CN" altLang="en-US"/>
+                        <a:t>客观</a:t>
+                      </a:r>
+                      <a:r>
+                        <a:rPr lang="en-US" altLang="zh-CN"/>
+                        <a:t>+</a:t>
+                      </a:r>
+                      <a:r>
+                        <a:rPr lang="zh-CN" altLang="en-US"/>
+                        <a:t>人工</a:t>
+                      </a:r>
+                    </a:p>
+                  </a:txBody>
+                  <a:tcPr anchor="ctr"/>
+                </a:tc>
+                <a:tc hMerge="1">
+                  <a:txBody>
+                    <a:bodyPr/>
+                    <a:lstStyle/>
+                    <a:p>
                       <a:endParaRPr lang="zh-CN" altLang="en-US"/>
                     </a:p>
                   </a:txBody>
-                  <a:tcPr anchor="ctr"/>
+                  <a:tcPr/>
                 </a:tc>
                 <a:tc>
                   <a:txBody>
@@ -7069,7 +7142,18 @@
                           <a:spcPct val="100000"/>
                         </a:lnSpc>
                       </a:pPr>
-                      <a:endParaRPr lang="zh-CN" altLang="en-US"/>
+                      <a:r>
+                        <a:rPr lang="zh-CN" altLang="en-US"/>
+                        <a:t>客观</a:t>
+                      </a:r>
+                      <a:r>
+                        <a:rPr lang="en-US" altLang="zh-CN"/>
+                        <a:t>+</a:t>
+                      </a:r>
+                      <a:r>
+                        <a:rPr lang="zh-CN" altLang="en-US"/>
+                        <a:t>人工</a:t>
+                      </a:r>
                     </a:p>
                   </a:txBody>
                   <a:tcPr anchor="ctr"/>
@@ -7084,7 +7168,18 @@
                           <a:spcPct val="100000"/>
                         </a:lnSpc>
                       </a:pPr>
-                      <a:endParaRPr lang="zh-CN" altLang="en-US"/>
+                      <a:r>
+                        <a:rPr lang="zh-CN" altLang="en-US"/>
+                        <a:t>客观</a:t>
+                      </a:r>
+                      <a:r>
+                        <a:rPr lang="en-US" altLang="zh-CN"/>
+                        <a:t>+</a:t>
+                      </a:r>
+                      <a:r>
+                        <a:rPr lang="zh-CN" altLang="en-US"/>
+                        <a:t>人工</a:t>
+                      </a:r>
                     </a:p>
                   </a:txBody>
                   <a:tcPr anchor="ctr"/>
@@ -7099,7 +7194,18 @@
                           <a:spcPct val="100000"/>
                         </a:lnSpc>
                       </a:pPr>
-                      <a:endParaRPr lang="zh-CN" altLang="en-US"/>
+                      <a:r>
+                        <a:rPr lang="zh-CN" altLang="en-US"/>
+                        <a:t>客观</a:t>
+                      </a:r>
+                      <a:r>
+                        <a:rPr lang="en-US" altLang="zh-CN"/>
+                        <a:t>+</a:t>
+                      </a:r>
+                      <a:r>
+                        <a:rPr lang="zh-CN" altLang="en-US"/>
+                        <a:t>人工</a:t>
+                      </a:r>
                     </a:p>
                   </a:txBody>
                   <a:tcPr anchor="ctr"/>
@@ -7114,52 +7220,10 @@
                           <a:spcPct val="100000"/>
                         </a:lnSpc>
                       </a:pPr>
-                      <a:endParaRPr lang="zh-CN" altLang="en-US"/>
-                    </a:p>
-                  </a:txBody>
-                  <a:tcPr anchor="ctr"/>
-                </a:tc>
-                <a:tc>
-                  <a:txBody>
-                    <a:bodyPr/>
-                    <a:lstStyle/>
-                    <a:p>
-                      <a:pPr algn="ctr">
-                        <a:lnSpc>
-                          <a:spcPct val="100000"/>
-                        </a:lnSpc>
-                      </a:pPr>
-                      <a:endParaRPr lang="zh-CN" altLang="en-US"/>
-                    </a:p>
-                  </a:txBody>
-                  <a:tcPr anchor="ctr"/>
-                </a:tc>
-                <a:tc>
-                  <a:txBody>
-                    <a:bodyPr/>
-                    <a:lstStyle/>
-                    <a:p>
-                      <a:pPr algn="ctr">
-                        <a:lnSpc>
-                          <a:spcPct val="100000"/>
-                        </a:lnSpc>
-                      </a:pPr>
-                      <a:endParaRPr lang="zh-CN" altLang="en-US"/>
-                    </a:p>
-                  </a:txBody>
-                  <a:tcPr anchor="ctr"/>
-                </a:tc>
-                <a:tc>
-                  <a:txBody>
-                    <a:bodyPr/>
-                    <a:lstStyle/>
-                    <a:p>
-                      <a:pPr algn="ctr">
-                        <a:lnSpc>
-                          <a:spcPct val="100000"/>
-                        </a:lnSpc>
-                      </a:pPr>
-                      <a:endParaRPr lang="zh-CN" altLang="en-US"/>
+                      <a:r>
+                        <a:rPr lang="zh-CN" altLang="en-US"/>
+                        <a:t>人工</a:t>
+                      </a:r>
                     </a:p>
                   </a:txBody>
                   <a:tcPr anchor="ctr"/>
@@ -7170,7 +7234,7 @@
                   </a:ext>
                 </a:extLst>
               </a:tr>
-              <a:tr h="736685">
+              <a:tr h="882525">
                 <a:tc>
                   <a:txBody>
                     <a:bodyPr/>
@@ -7220,7 +7284,7 @@
                       </a:pPr>
                       <a:r>
                         <a:rPr lang="en-US" altLang="zh-CN"/>
-                        <a:t>2018</a:t>
+                        <a:t>2020</a:t>
                       </a:r>
                       <a:endParaRPr lang="zh-CN" altLang="en-US"/>
                     </a:p>
@@ -7239,7 +7303,7 @@
                       </a:pPr>
                       <a:r>
                         <a:rPr lang="en-US" altLang="zh-CN"/>
-                        <a:t>2019</a:t>
+                        <a:t>2018/2020</a:t>
                       </a:r>
                       <a:endParaRPr lang="zh-CN" altLang="en-US"/>
                     </a:p>
@@ -7258,7 +7322,7 @@
                       </a:pPr>
                       <a:r>
                         <a:rPr lang="en-US" altLang="zh-CN"/>
-                        <a:t>2020</a:t>
+                        <a:t>2017-2019</a:t>
                       </a:r>
                       <a:endParaRPr lang="zh-CN" altLang="en-US"/>
                     </a:p>
@@ -7277,7 +7341,7 @@
                       </a:pPr>
                       <a:r>
                         <a:rPr lang="en-US" altLang="zh-CN"/>
-                        <a:t>2018</a:t>
+                        <a:t>2020</a:t>
                       </a:r>
                       <a:endParaRPr lang="zh-CN" altLang="en-US"/>
                     </a:p>
@@ -7296,45 +7360,7 @@
                       </a:pPr>
                       <a:r>
                         <a:rPr lang="en-US" altLang="zh-CN"/>
-                        <a:t>2018-2020</a:t>
-                      </a:r>
-                      <a:endParaRPr lang="zh-CN" altLang="en-US"/>
-                    </a:p>
-                  </a:txBody>
-                  <a:tcPr anchor="ctr"/>
-                </a:tc>
-                <a:tc>
-                  <a:txBody>
-                    <a:bodyPr/>
-                    <a:lstStyle/>
-                    <a:p>
-                      <a:pPr algn="ctr">
-                        <a:lnSpc>
-                          <a:spcPct val="100000"/>
-                        </a:lnSpc>
-                      </a:pPr>
-                      <a:r>
-                        <a:rPr lang="en-US" altLang="zh-CN"/>
-                        <a:t>2017-2020</a:t>
-                      </a:r>
-                      <a:endParaRPr lang="zh-CN" altLang="en-US"/>
-                    </a:p>
-                  </a:txBody>
-                  <a:tcPr anchor="ctr"/>
-                </a:tc>
-                <a:tc>
-                  <a:txBody>
-                    <a:bodyPr/>
-                    <a:lstStyle/>
-                    <a:p>
-                      <a:pPr algn="ctr">
-                        <a:lnSpc>
-                          <a:spcPct val="100000"/>
-                        </a:lnSpc>
-                      </a:pPr>
-                      <a:r>
-                        <a:rPr lang="en-US" altLang="zh-CN"/>
-                        <a:t>2019-2020</a:t>
+                        <a:t>2019/2020</a:t>
                       </a:r>
                       <a:endParaRPr lang="zh-CN" altLang="en-US"/>
                     </a:p>
@@ -9604,6 +9630,897 @@
     <p:extLst>
       <p:ext uri="{BB962C8B-B14F-4D97-AF65-F5344CB8AC3E}">
         <p14:creationId xmlns:p14="http://schemas.microsoft.com/office/powerpoint/2010/main" val="1054865896"/>
+      </p:ext>
+    </p:extLst>
+  </p:cSld>
+  <p:clrMapOvr>
+    <a:masterClrMapping/>
+  </p:clrMapOvr>
+</p:sld>
+</file>
+
+<file path=ppt/slides/slide6.xml><?xml version="1.0" encoding="utf-8"?>
+<p:sld xmlns:a="http://schemas.openxmlformats.org/drawingml/2006/main" xmlns:r="http://schemas.openxmlformats.org/officeDocument/2006/relationships" xmlns:p="http://schemas.openxmlformats.org/presentationml/2006/main">
+  <p:cSld>
+    <p:spTree>
+      <p:nvGrpSpPr>
+        <p:cNvPr id="1" name=""/>
+        <p:cNvGrpSpPr/>
+        <p:nvPr/>
+      </p:nvGrpSpPr>
+      <p:grpSpPr>
+        <a:xfrm>
+          <a:off x="0" y="0"/>
+          <a:ext cx="0" cy="0"/>
+          <a:chOff x="0" y="0"/>
+          <a:chExt cx="0" cy="0"/>
+        </a:xfrm>
+      </p:grpSpPr>
+      <p:sp>
+        <p:nvSpPr>
+          <p:cNvPr id="2" name="标题 1">
+            <a:extLst>
+              <a:ext uri="{FF2B5EF4-FFF2-40B4-BE49-F238E27FC236}">
+                <a16:creationId xmlns:a16="http://schemas.microsoft.com/office/drawing/2014/main" id="{9B406D35-9006-EB44-BDB0-663914C3BB93}"/>
+              </a:ext>
+            </a:extLst>
+          </p:cNvPr>
+          <p:cNvSpPr>
+            <a:spLocks noGrp="1"/>
+          </p:cNvSpPr>
+          <p:nvPr>
+            <p:ph type="title"/>
+          </p:nvPr>
+        </p:nvSpPr>
+        <p:spPr/>
+        <p:txBody>
+          <a:bodyPr/>
+          <a:lstStyle/>
+          <a:p>
+            <a:endParaRPr kumimoji="1" lang="zh-CN" altLang="en-US"/>
+          </a:p>
+        </p:txBody>
+      </p:sp>
+      <p:graphicFrame>
+        <p:nvGraphicFramePr>
+          <p:cNvPr id="3" name="表格 2">
+            <a:extLst>
+              <a:ext uri="{FF2B5EF4-FFF2-40B4-BE49-F238E27FC236}">
+                <a16:creationId xmlns:a16="http://schemas.microsoft.com/office/drawing/2014/main" id="{F19267BA-E713-354F-BF3E-CD1FA29FD72F}"/>
+              </a:ext>
+            </a:extLst>
+          </p:cNvPr>
+          <p:cNvGraphicFramePr>
+            <a:graphicFrameLocks noGrp="1"/>
+          </p:cNvGraphicFramePr>
+          <p:nvPr>
+            <p:extLst>
+              <p:ext uri="{D42A27DB-BD31-4B8C-83A1-F6EECF244321}">
+                <p14:modId xmlns:p14="http://schemas.microsoft.com/office/powerpoint/2010/main" val="2955107317"/>
+              </p:ext>
+            </p:extLst>
+          </p:nvPr>
+        </p:nvGraphicFramePr>
+        <p:xfrm>
+          <a:off x="2746375" y="2505604"/>
+          <a:ext cx="2911476" cy="3337560"/>
+        </p:xfrm>
+        <a:graphic>
+          <a:graphicData uri="http://schemas.openxmlformats.org/drawingml/2006/table">
+            <a:tbl>
+              <a:tblPr firstRow="1" bandRow="1">
+                <a:tableStyleId>{5C22544A-7EE6-4342-B048-85BDC9FD1C3A}</a:tableStyleId>
+              </a:tblPr>
+              <a:tblGrid>
+                <a:gridCol w="1397000">
+                  <a:extLst>
+                    <a:ext uri="{9D8B030D-6E8A-4147-A177-3AD203B41FA5}">
+                      <a16:colId xmlns:a16="http://schemas.microsoft.com/office/drawing/2014/main" val="424393756"/>
+                    </a:ext>
+                  </a:extLst>
+                </a:gridCol>
+                <a:gridCol w="1514476">
+                  <a:extLst>
+                    <a:ext uri="{9D8B030D-6E8A-4147-A177-3AD203B41FA5}">
+                      <a16:colId xmlns:a16="http://schemas.microsoft.com/office/drawing/2014/main" val="1216475250"/>
+                    </a:ext>
+                  </a:extLst>
+                </a:gridCol>
+              </a:tblGrid>
+              <a:tr h="370840">
+                <a:tc gridSpan="2">
+                  <a:txBody>
+                    <a:bodyPr/>
+                    <a:lstStyle/>
+                    <a:p>
+                      <a:pPr algn="ctr"/>
+                      <a:r>
+                        <a:rPr lang="zh-CN" altLang="en-US"/>
+                        <a:t>封闭域（</a:t>
+                      </a:r>
+                      <a:r>
+                        <a:rPr lang="en-US" altLang="zh-CN"/>
+                        <a:t>ECDT</a:t>
+                      </a:r>
+                      <a:r>
+                        <a:rPr lang="zh-CN" altLang="en-US"/>
+                        <a:t> </a:t>
+                      </a:r>
+                      <a:r>
+                        <a:rPr lang="en-US" altLang="zh-CN"/>
+                        <a:t>2017</a:t>
+                      </a:r>
+                      <a:r>
+                        <a:rPr lang="zh-CN" altLang="en-US"/>
+                        <a:t>）</a:t>
+                      </a:r>
+                    </a:p>
+                  </a:txBody>
+                  <a:tcPr anchor="ctr"/>
+                </a:tc>
+                <a:tc hMerge="1">
+                  <a:txBody>
+                    <a:bodyPr/>
+                    <a:lstStyle/>
+                    <a:p>
+                      <a:pPr algn="ctr"/>
+                      <a:endParaRPr lang="zh-CN" altLang="en-US"/>
+                    </a:p>
+                  </a:txBody>
+                  <a:tcPr anchor="ctr"/>
+                </a:tc>
+                <a:extLst>
+                  <a:ext uri="{0D108BD9-81ED-4DB2-BD59-A6C34878D82A}">
+                    <a16:rowId xmlns:a16="http://schemas.microsoft.com/office/drawing/2014/main" val="857042645"/>
+                  </a:ext>
+                </a:extLst>
+              </a:tr>
+              <a:tr h="370840">
+                <a:tc>
+                  <a:txBody>
+                    <a:bodyPr/>
+                    <a:lstStyle/>
+                    <a:p>
+                      <a:pPr algn="ctr"/>
+                      <a:r>
+                        <a:rPr lang="zh-CN" altLang="en-US"/>
+                        <a:t>名次</a:t>
+                      </a:r>
+                    </a:p>
+                  </a:txBody>
+                  <a:tcPr anchor="ctr"/>
+                </a:tc>
+                <a:tc>
+                  <a:txBody>
+                    <a:bodyPr/>
+                    <a:lstStyle/>
+                    <a:p>
+                      <a:pPr algn="ctr"/>
+                      <a:r>
+                        <a:rPr lang="en-US" altLang="zh-CN"/>
+                        <a:t>F1</a:t>
+                      </a:r>
+                      <a:r>
+                        <a:rPr lang="zh-CN" altLang="en-US"/>
+                        <a:t> </a:t>
+                      </a:r>
+                      <a:r>
+                        <a:rPr lang="en-US" altLang="zh-CN"/>
+                        <a:t>Score</a:t>
+                      </a:r>
+                      <a:endParaRPr lang="zh-CN" altLang="en-US"/>
+                    </a:p>
+                  </a:txBody>
+                  <a:tcPr anchor="ctr"/>
+                </a:tc>
+                <a:extLst>
+                  <a:ext uri="{0D108BD9-81ED-4DB2-BD59-A6C34878D82A}">
+                    <a16:rowId xmlns:a16="http://schemas.microsoft.com/office/drawing/2014/main" val="2283113912"/>
+                  </a:ext>
+                </a:extLst>
+              </a:tr>
+              <a:tr h="370840">
+                <a:tc>
+                  <a:txBody>
+                    <a:bodyPr/>
+                    <a:lstStyle/>
+                    <a:p>
+                      <a:pPr algn="ctr"/>
+                      <a:r>
+                        <a:rPr lang="en-US" altLang="zh-CN"/>
+                        <a:t>1</a:t>
+                      </a:r>
+                      <a:endParaRPr lang="zh-CN" altLang="en-US"/>
+                    </a:p>
+                  </a:txBody>
+                  <a:tcPr anchor="ctr"/>
+                </a:tc>
+                <a:tc>
+                  <a:txBody>
+                    <a:bodyPr/>
+                    <a:lstStyle/>
+                    <a:p>
+                      <a:pPr algn="ctr"/>
+                      <a:r>
+                        <a:rPr lang="en-US" altLang="zh-CN"/>
+                        <a:t>0.9391</a:t>
+                      </a:r>
+                      <a:endParaRPr lang="zh-CN" altLang="en-US"/>
+                    </a:p>
+                  </a:txBody>
+                  <a:tcPr anchor="ctr"/>
+                </a:tc>
+                <a:extLst>
+                  <a:ext uri="{0D108BD9-81ED-4DB2-BD59-A6C34878D82A}">
+                    <a16:rowId xmlns:a16="http://schemas.microsoft.com/office/drawing/2014/main" val="3346407058"/>
+                  </a:ext>
+                </a:extLst>
+              </a:tr>
+              <a:tr h="370840">
+                <a:tc>
+                  <a:txBody>
+                    <a:bodyPr/>
+                    <a:lstStyle/>
+                    <a:p>
+                      <a:pPr algn="ctr"/>
+                      <a:r>
+                        <a:rPr lang="en-US" altLang="zh-CN"/>
+                        <a:t>2</a:t>
+                      </a:r>
+                      <a:endParaRPr lang="zh-CN" altLang="en-US"/>
+                    </a:p>
+                  </a:txBody>
+                  <a:tcPr anchor="ctr"/>
+                </a:tc>
+                <a:tc>
+                  <a:txBody>
+                    <a:bodyPr/>
+                    <a:lstStyle/>
+                    <a:p>
+                      <a:pPr algn="ctr"/>
+                      <a:r>
+                        <a:rPr lang="en-US" altLang="zh-CN"/>
+                        <a:t>0.9288</a:t>
+                      </a:r>
+                      <a:endParaRPr lang="zh-CN" altLang="en-US"/>
+                    </a:p>
+                  </a:txBody>
+                  <a:tcPr anchor="ctr"/>
+                </a:tc>
+                <a:extLst>
+                  <a:ext uri="{0D108BD9-81ED-4DB2-BD59-A6C34878D82A}">
+                    <a16:rowId xmlns:a16="http://schemas.microsoft.com/office/drawing/2014/main" val="249457906"/>
+                  </a:ext>
+                </a:extLst>
+              </a:tr>
+              <a:tr h="370840">
+                <a:tc>
+                  <a:txBody>
+                    <a:bodyPr/>
+                    <a:lstStyle/>
+                    <a:p>
+                      <a:pPr algn="ctr"/>
+                      <a:r>
+                        <a:rPr lang="en-US" altLang="zh-CN"/>
+                        <a:t>3</a:t>
+                      </a:r>
+                      <a:endParaRPr lang="zh-CN" altLang="en-US"/>
+                    </a:p>
+                  </a:txBody>
+                  <a:tcPr anchor="ctr"/>
+                </a:tc>
+                <a:tc>
+                  <a:txBody>
+                    <a:bodyPr/>
+                    <a:lstStyle/>
+                    <a:p>
+                      <a:pPr algn="ctr"/>
+                      <a:r>
+                        <a:rPr lang="en-US" altLang="zh-CN"/>
+                        <a:t>0.9089</a:t>
+                      </a:r>
+                      <a:endParaRPr lang="zh-CN" altLang="en-US"/>
+                    </a:p>
+                  </a:txBody>
+                  <a:tcPr anchor="ctr"/>
+                </a:tc>
+                <a:extLst>
+                  <a:ext uri="{0D108BD9-81ED-4DB2-BD59-A6C34878D82A}">
+                    <a16:rowId xmlns:a16="http://schemas.microsoft.com/office/drawing/2014/main" val="3475147825"/>
+                  </a:ext>
+                </a:extLst>
+              </a:tr>
+              <a:tr h="370840">
+                <a:tc gridSpan="2">
+                  <a:txBody>
+                    <a:bodyPr/>
+                    <a:lstStyle/>
+                    <a:p>
+                      <a:pPr algn="ctr"/>
+                      <a:r>
+                        <a:rPr lang="zh-CN" altLang="en-US" b="1">
+                          <a:solidFill>
+                            <a:schemeClr val="bg1"/>
+                          </a:solidFill>
+                        </a:rPr>
+                        <a:t>开放域（</a:t>
+                      </a:r>
+                      <a:r>
+                        <a:rPr lang="en-US" altLang="zh-CN" b="1">
+                          <a:solidFill>
+                            <a:schemeClr val="bg1"/>
+                          </a:solidFill>
+                        </a:rPr>
+                        <a:t>ECDT</a:t>
+                      </a:r>
+                      <a:r>
+                        <a:rPr lang="zh-CN" altLang="en-US" b="1">
+                          <a:solidFill>
+                            <a:schemeClr val="bg1"/>
+                          </a:solidFill>
+                        </a:rPr>
+                        <a:t> </a:t>
+                      </a:r>
+                      <a:r>
+                        <a:rPr lang="en-US" altLang="zh-CN" b="1">
+                          <a:solidFill>
+                            <a:schemeClr val="bg1"/>
+                          </a:solidFill>
+                        </a:rPr>
+                        <a:t>2017</a:t>
+                      </a:r>
+                      <a:r>
+                        <a:rPr lang="zh-CN" altLang="en-US" b="1">
+                          <a:solidFill>
+                            <a:schemeClr val="bg1"/>
+                          </a:solidFill>
+                        </a:rPr>
+                        <a:t>）</a:t>
+                      </a:r>
+                    </a:p>
+                  </a:txBody>
+                  <a:tcPr anchor="ctr">
+                    <a:solidFill>
+                      <a:schemeClr val="accent1"/>
+                    </a:solidFill>
+                  </a:tcPr>
+                </a:tc>
+                <a:tc hMerge="1">
+                  <a:txBody>
+                    <a:bodyPr/>
+                    <a:lstStyle/>
+                    <a:p>
+                      <a:pPr algn="ctr"/>
+                      <a:endParaRPr lang="zh-CN" altLang="en-US"/>
+                    </a:p>
+                  </a:txBody>
+                  <a:tcPr anchor="ctr"/>
+                </a:tc>
+                <a:extLst>
+                  <a:ext uri="{0D108BD9-81ED-4DB2-BD59-A6C34878D82A}">
+                    <a16:rowId xmlns:a16="http://schemas.microsoft.com/office/drawing/2014/main" val="3414434139"/>
+                  </a:ext>
+                </a:extLst>
+              </a:tr>
+              <a:tr h="370840">
+                <a:tc>
+                  <a:txBody>
+                    <a:bodyPr/>
+                    <a:lstStyle/>
+                    <a:p>
+                      <a:pPr algn="ctr"/>
+                      <a:r>
+                        <a:rPr lang="en-US" altLang="zh-CN"/>
+                        <a:t>1</a:t>
+                      </a:r>
+                      <a:endParaRPr lang="zh-CN" altLang="en-US"/>
+                    </a:p>
+                  </a:txBody>
+                  <a:tcPr anchor="ctr"/>
+                </a:tc>
+                <a:tc>
+                  <a:txBody>
+                    <a:bodyPr/>
+                    <a:lstStyle/>
+                    <a:p>
+                      <a:pPr algn="ctr"/>
+                      <a:r>
+                        <a:rPr lang="en-US" altLang="zh-CN"/>
+                        <a:t>0.9414</a:t>
+                      </a:r>
+                      <a:endParaRPr lang="zh-CN" altLang="en-US"/>
+                    </a:p>
+                  </a:txBody>
+                  <a:tcPr anchor="ctr"/>
+                </a:tc>
+                <a:extLst>
+                  <a:ext uri="{0D108BD9-81ED-4DB2-BD59-A6C34878D82A}">
+                    <a16:rowId xmlns:a16="http://schemas.microsoft.com/office/drawing/2014/main" val="1071063888"/>
+                  </a:ext>
+                </a:extLst>
+              </a:tr>
+              <a:tr h="370840">
+                <a:tc>
+                  <a:txBody>
+                    <a:bodyPr/>
+                    <a:lstStyle/>
+                    <a:p>
+                      <a:pPr algn="ctr"/>
+                      <a:r>
+                        <a:rPr lang="en-US" altLang="zh-CN"/>
+                        <a:t>2</a:t>
+                      </a:r>
+                      <a:endParaRPr lang="zh-CN" altLang="en-US"/>
+                    </a:p>
+                  </a:txBody>
+                  <a:tcPr anchor="ctr"/>
+                </a:tc>
+                <a:tc>
+                  <a:txBody>
+                    <a:bodyPr/>
+                    <a:lstStyle/>
+                    <a:p>
+                      <a:pPr algn="ctr"/>
+                      <a:r>
+                        <a:rPr lang="en-US" altLang="zh-CN"/>
+                        <a:t>0.9288</a:t>
+                      </a:r>
+                      <a:endParaRPr lang="zh-CN" altLang="en-US"/>
+                    </a:p>
+                  </a:txBody>
+                  <a:tcPr anchor="ctr"/>
+                </a:tc>
+                <a:extLst>
+                  <a:ext uri="{0D108BD9-81ED-4DB2-BD59-A6C34878D82A}">
+                    <a16:rowId xmlns:a16="http://schemas.microsoft.com/office/drawing/2014/main" val="791256883"/>
+                  </a:ext>
+                </a:extLst>
+              </a:tr>
+              <a:tr h="370840">
+                <a:tc>
+                  <a:txBody>
+                    <a:bodyPr/>
+                    <a:lstStyle/>
+                    <a:p>
+                      <a:pPr algn="ctr"/>
+                      <a:r>
+                        <a:rPr lang="en-US" altLang="zh-CN"/>
+                        <a:t>3</a:t>
+                      </a:r>
+                      <a:endParaRPr lang="zh-CN" altLang="en-US"/>
+                    </a:p>
+                  </a:txBody>
+                  <a:tcPr anchor="ctr"/>
+                </a:tc>
+                <a:tc>
+                  <a:txBody>
+                    <a:bodyPr/>
+                    <a:lstStyle/>
+                    <a:p>
+                      <a:pPr algn="ctr"/>
+                      <a:r>
+                        <a:rPr lang="en-US" altLang="zh-CN"/>
+                        <a:t>0.9258</a:t>
+                      </a:r>
+                      <a:endParaRPr lang="zh-CN" altLang="en-US"/>
+                    </a:p>
+                  </a:txBody>
+                  <a:tcPr anchor="ctr"/>
+                </a:tc>
+                <a:extLst>
+                  <a:ext uri="{0D108BD9-81ED-4DB2-BD59-A6C34878D82A}">
+                    <a16:rowId xmlns:a16="http://schemas.microsoft.com/office/drawing/2014/main" val="1096169149"/>
+                  </a:ext>
+                </a:extLst>
+              </a:tr>
+            </a:tbl>
+          </a:graphicData>
+        </a:graphic>
+      </p:graphicFrame>
+      <p:graphicFrame>
+        <p:nvGraphicFramePr>
+          <p:cNvPr id="4" name="表格 3">
+            <a:extLst>
+              <a:ext uri="{FF2B5EF4-FFF2-40B4-BE49-F238E27FC236}">
+                <a16:creationId xmlns:a16="http://schemas.microsoft.com/office/drawing/2014/main" id="{1FDBE351-1647-C145-BEF2-2E605B564A93}"/>
+              </a:ext>
+            </a:extLst>
+          </p:cNvPr>
+          <p:cNvGraphicFramePr>
+            <a:graphicFrameLocks noGrp="1"/>
+          </p:cNvGraphicFramePr>
+          <p:nvPr>
+            <p:extLst>
+              <p:ext uri="{D42A27DB-BD31-4B8C-83A1-F6EECF244321}">
+                <p14:modId xmlns:p14="http://schemas.microsoft.com/office/powerpoint/2010/main" val="896829460"/>
+              </p:ext>
+            </p:extLst>
+          </p:nvPr>
+        </p:nvGraphicFramePr>
+        <p:xfrm>
+          <a:off x="6534149" y="2539470"/>
+          <a:ext cx="2911476" cy="3337560"/>
+        </p:xfrm>
+        <a:graphic>
+          <a:graphicData uri="http://schemas.openxmlformats.org/drawingml/2006/table">
+            <a:tbl>
+              <a:tblPr firstRow="1" bandRow="1">
+                <a:tableStyleId>{5C22544A-7EE6-4342-B048-85BDC9FD1C3A}</a:tableStyleId>
+              </a:tblPr>
+              <a:tblGrid>
+                <a:gridCol w="1455738">
+                  <a:extLst>
+                    <a:ext uri="{9D8B030D-6E8A-4147-A177-3AD203B41FA5}">
+                      <a16:colId xmlns:a16="http://schemas.microsoft.com/office/drawing/2014/main" val="1732678654"/>
+                    </a:ext>
+                  </a:extLst>
+                </a:gridCol>
+                <a:gridCol w="1455738">
+                  <a:extLst>
+                    <a:ext uri="{9D8B030D-6E8A-4147-A177-3AD203B41FA5}">
+                      <a16:colId xmlns:a16="http://schemas.microsoft.com/office/drawing/2014/main" val="64833747"/>
+                    </a:ext>
+                  </a:extLst>
+                </a:gridCol>
+              </a:tblGrid>
+              <a:tr h="370840">
+                <a:tc gridSpan="2">
+                  <a:txBody>
+                    <a:bodyPr/>
+                    <a:lstStyle/>
+                    <a:p>
+                      <a:pPr algn="ctr"/>
+                      <a:r>
+                        <a:rPr lang="zh-CN" altLang="en-US"/>
+                        <a:t>开放域（</a:t>
+                      </a:r>
+                      <a:r>
+                        <a:rPr lang="en-US" altLang="zh-CN"/>
+                        <a:t>ECDT</a:t>
+                      </a:r>
+                      <a:r>
+                        <a:rPr lang="zh-CN" altLang="en-US"/>
+                        <a:t> </a:t>
+                      </a:r>
+                      <a:r>
+                        <a:rPr lang="en-US" altLang="zh-CN"/>
+                        <a:t>2018</a:t>
+                      </a:r>
+                      <a:r>
+                        <a:rPr lang="zh-CN" altLang="en-US"/>
+                        <a:t>）</a:t>
+                      </a:r>
+                    </a:p>
+                  </a:txBody>
+                  <a:tcPr anchor="ctr"/>
+                </a:tc>
+                <a:tc hMerge="1">
+                  <a:txBody>
+                    <a:bodyPr/>
+                    <a:lstStyle/>
+                    <a:p>
+                      <a:endParaRPr lang="zh-CN" altLang="en-US"/>
+                    </a:p>
+                  </a:txBody>
+                  <a:tcPr/>
+                </a:tc>
+                <a:extLst>
+                  <a:ext uri="{0D108BD9-81ED-4DB2-BD59-A6C34878D82A}">
+                    <a16:rowId xmlns:a16="http://schemas.microsoft.com/office/drawing/2014/main" val="2509364802"/>
+                  </a:ext>
+                </a:extLst>
+              </a:tr>
+              <a:tr h="370840">
+                <a:tc>
+                  <a:txBody>
+                    <a:bodyPr/>
+                    <a:lstStyle/>
+                    <a:p>
+                      <a:pPr algn="ctr"/>
+                      <a:r>
+                        <a:rPr lang="zh-CN" altLang="en-US"/>
+                        <a:t>名次</a:t>
+                      </a:r>
+                    </a:p>
+                  </a:txBody>
+                  <a:tcPr anchor="ctr"/>
+                </a:tc>
+                <a:tc>
+                  <a:txBody>
+                    <a:bodyPr/>
+                    <a:lstStyle/>
+                    <a:p>
+                      <a:pPr algn="ctr"/>
+                      <a:r>
+                        <a:rPr lang="en-US" altLang="zh-CN"/>
+                        <a:t>F1</a:t>
+                      </a:r>
+                      <a:r>
+                        <a:rPr lang="zh-CN" altLang="en-US"/>
+                        <a:t> </a:t>
+                      </a:r>
+                      <a:r>
+                        <a:rPr lang="en-US" altLang="zh-CN"/>
+                        <a:t>Score</a:t>
+                      </a:r>
+                      <a:endParaRPr lang="zh-CN" altLang="en-US"/>
+                    </a:p>
+                  </a:txBody>
+                  <a:tcPr anchor="ctr"/>
+                </a:tc>
+                <a:extLst>
+                  <a:ext uri="{0D108BD9-81ED-4DB2-BD59-A6C34878D82A}">
+                    <a16:rowId xmlns:a16="http://schemas.microsoft.com/office/drawing/2014/main" val="3662716447"/>
+                  </a:ext>
+                </a:extLst>
+              </a:tr>
+              <a:tr h="370840">
+                <a:tc>
+                  <a:txBody>
+                    <a:bodyPr/>
+                    <a:lstStyle/>
+                    <a:p>
+                      <a:pPr algn="ctr"/>
+                      <a:r>
+                        <a:rPr lang="en-US" altLang="zh-CN"/>
+                        <a:t>1</a:t>
+                      </a:r>
+                      <a:endParaRPr lang="zh-CN" altLang="en-US"/>
+                    </a:p>
+                  </a:txBody>
+                  <a:tcPr anchor="ctr"/>
+                </a:tc>
+                <a:tc>
+                  <a:txBody>
+                    <a:bodyPr/>
+                    <a:lstStyle/>
+                    <a:p>
+                      <a:pPr algn="ctr"/>
+                      <a:r>
+                        <a:rPr lang="en-US" altLang="zh-CN"/>
+                        <a:t>0.8339</a:t>
+                      </a:r>
+                      <a:endParaRPr lang="zh-CN" altLang="en-US"/>
+                    </a:p>
+                  </a:txBody>
+                  <a:tcPr anchor="ctr"/>
+                </a:tc>
+                <a:extLst>
+                  <a:ext uri="{0D108BD9-81ED-4DB2-BD59-A6C34878D82A}">
+                    <a16:rowId xmlns:a16="http://schemas.microsoft.com/office/drawing/2014/main" val="3577180109"/>
+                  </a:ext>
+                </a:extLst>
+              </a:tr>
+              <a:tr h="370840">
+                <a:tc>
+                  <a:txBody>
+                    <a:bodyPr/>
+                    <a:lstStyle/>
+                    <a:p>
+                      <a:pPr algn="ctr"/>
+                      <a:r>
+                        <a:rPr lang="en-US" altLang="zh-CN"/>
+                        <a:t>2</a:t>
+                      </a:r>
+                      <a:endParaRPr lang="zh-CN" altLang="en-US"/>
+                    </a:p>
+                  </a:txBody>
+                  <a:tcPr anchor="ctr"/>
+                </a:tc>
+                <a:tc>
+                  <a:txBody>
+                    <a:bodyPr/>
+                    <a:lstStyle/>
+                    <a:p>
+                      <a:pPr algn="ctr"/>
+                      <a:r>
+                        <a:rPr lang="en-US" altLang="zh-CN"/>
+                        <a:t>0.8276</a:t>
+                      </a:r>
+                      <a:endParaRPr lang="zh-CN" altLang="en-US"/>
+                    </a:p>
+                  </a:txBody>
+                  <a:tcPr anchor="ctr"/>
+                </a:tc>
+                <a:extLst>
+                  <a:ext uri="{0D108BD9-81ED-4DB2-BD59-A6C34878D82A}">
+                    <a16:rowId xmlns:a16="http://schemas.microsoft.com/office/drawing/2014/main" val="2661332599"/>
+                  </a:ext>
+                </a:extLst>
+              </a:tr>
+              <a:tr h="370840">
+                <a:tc>
+                  <a:txBody>
+                    <a:bodyPr/>
+                    <a:lstStyle/>
+                    <a:p>
+                      <a:pPr algn="ctr"/>
+                      <a:r>
+                        <a:rPr lang="en-US" altLang="zh-CN"/>
+                        <a:t>3</a:t>
+                      </a:r>
+                      <a:endParaRPr lang="zh-CN" altLang="en-US"/>
+                    </a:p>
+                  </a:txBody>
+                  <a:tcPr anchor="ctr"/>
+                </a:tc>
+                <a:tc>
+                  <a:txBody>
+                    <a:bodyPr/>
+                    <a:lstStyle/>
+                    <a:p>
+                      <a:pPr algn="ctr"/>
+                      <a:r>
+                        <a:rPr lang="en-US" altLang="zh-CN"/>
+                        <a:t>0.8008</a:t>
+                      </a:r>
+                      <a:endParaRPr lang="zh-CN" altLang="en-US"/>
+                    </a:p>
+                  </a:txBody>
+                  <a:tcPr anchor="ctr"/>
+                </a:tc>
+                <a:extLst>
+                  <a:ext uri="{0D108BD9-81ED-4DB2-BD59-A6C34878D82A}">
+                    <a16:rowId xmlns:a16="http://schemas.microsoft.com/office/drawing/2014/main" val="3588066760"/>
+                  </a:ext>
+                </a:extLst>
+              </a:tr>
+              <a:tr h="370840">
+                <a:tc>
+                  <a:txBody>
+                    <a:bodyPr/>
+                    <a:lstStyle/>
+                    <a:p>
+                      <a:pPr algn="ctr"/>
+                      <a:r>
+                        <a:rPr lang="en-US" altLang="zh-CN"/>
+                        <a:t>4</a:t>
+                      </a:r>
+                      <a:endParaRPr lang="zh-CN" altLang="en-US"/>
+                    </a:p>
+                  </a:txBody>
+                  <a:tcPr anchor="ctr"/>
+                </a:tc>
+                <a:tc>
+                  <a:txBody>
+                    <a:bodyPr/>
+                    <a:lstStyle/>
+                    <a:p>
+                      <a:pPr algn="ctr"/>
+                      <a:r>
+                        <a:rPr lang="en-US" altLang="zh-CN"/>
+                        <a:t>0.7923</a:t>
+                      </a:r>
+                      <a:endParaRPr lang="zh-CN" altLang="en-US"/>
+                    </a:p>
+                  </a:txBody>
+                  <a:tcPr anchor="ctr"/>
+                </a:tc>
+                <a:extLst>
+                  <a:ext uri="{0D108BD9-81ED-4DB2-BD59-A6C34878D82A}">
+                    <a16:rowId xmlns:a16="http://schemas.microsoft.com/office/drawing/2014/main" val="3866952486"/>
+                  </a:ext>
+                </a:extLst>
+              </a:tr>
+              <a:tr h="370840">
+                <a:tc>
+                  <a:txBody>
+                    <a:bodyPr/>
+                    <a:lstStyle/>
+                    <a:p>
+                      <a:pPr algn="ctr"/>
+                      <a:r>
+                        <a:rPr lang="en-US" altLang="zh-CN"/>
+                        <a:t>5</a:t>
+                      </a:r>
+                      <a:endParaRPr lang="zh-CN" altLang="en-US"/>
+                    </a:p>
+                  </a:txBody>
+                  <a:tcPr anchor="ctr"/>
+                </a:tc>
+                <a:tc>
+                  <a:txBody>
+                    <a:bodyPr/>
+                    <a:lstStyle/>
+                    <a:p>
+                      <a:pPr algn="ctr"/>
+                      <a:r>
+                        <a:rPr lang="en-US" altLang="zh-CN"/>
+                        <a:t>0.7846</a:t>
+                      </a:r>
+                      <a:endParaRPr lang="zh-CN" altLang="en-US"/>
+                    </a:p>
+                  </a:txBody>
+                  <a:tcPr anchor="ctr"/>
+                </a:tc>
+                <a:extLst>
+                  <a:ext uri="{0D108BD9-81ED-4DB2-BD59-A6C34878D82A}">
+                    <a16:rowId xmlns:a16="http://schemas.microsoft.com/office/drawing/2014/main" val="396790228"/>
+                  </a:ext>
+                </a:extLst>
+              </a:tr>
+              <a:tr h="370840">
+                <a:tc>
+                  <a:txBody>
+                    <a:bodyPr/>
+                    <a:lstStyle/>
+                    <a:p>
+                      <a:pPr algn="ctr"/>
+                      <a:r>
+                        <a:rPr lang="en-US" altLang="zh-CN"/>
+                        <a:t>6</a:t>
+                      </a:r>
+                      <a:endParaRPr lang="zh-CN" altLang="en-US"/>
+                    </a:p>
+                  </a:txBody>
+                  <a:tcPr anchor="ctr"/>
+                </a:tc>
+                <a:tc>
+                  <a:txBody>
+                    <a:bodyPr/>
+                    <a:lstStyle/>
+                    <a:p>
+                      <a:pPr algn="ctr"/>
+                      <a:r>
+                        <a:rPr lang="en-US" altLang="zh-CN"/>
+                        <a:t>0.7735</a:t>
+                      </a:r>
+                      <a:endParaRPr lang="zh-CN" altLang="en-US"/>
+                    </a:p>
+                  </a:txBody>
+                  <a:tcPr anchor="ctr"/>
+                </a:tc>
+                <a:extLst>
+                  <a:ext uri="{0D108BD9-81ED-4DB2-BD59-A6C34878D82A}">
+                    <a16:rowId xmlns:a16="http://schemas.microsoft.com/office/drawing/2014/main" val="2018469087"/>
+                  </a:ext>
+                </a:extLst>
+              </a:tr>
+              <a:tr h="370840">
+                <a:tc>
+                  <a:txBody>
+                    <a:bodyPr/>
+                    <a:lstStyle/>
+                    <a:p>
+                      <a:pPr algn="ctr"/>
+                      <a:r>
+                        <a:rPr lang="en-US" altLang="zh-CN"/>
+                        <a:t>7</a:t>
+                      </a:r>
+                      <a:endParaRPr lang="zh-CN" altLang="en-US"/>
+                    </a:p>
+                  </a:txBody>
+                  <a:tcPr anchor="ctr"/>
+                </a:tc>
+                <a:tc>
+                  <a:txBody>
+                    <a:bodyPr/>
+                    <a:lstStyle/>
+                    <a:p>
+                      <a:pPr algn="ctr"/>
+                      <a:r>
+                        <a:rPr lang="en-US" altLang="zh-CN"/>
+                        <a:t>0.7722</a:t>
+                      </a:r>
+                      <a:endParaRPr lang="zh-CN" altLang="en-US"/>
+                    </a:p>
+                  </a:txBody>
+                  <a:tcPr anchor="ctr"/>
+                </a:tc>
+                <a:extLst>
+                  <a:ext uri="{0D108BD9-81ED-4DB2-BD59-A6C34878D82A}">
+                    <a16:rowId xmlns:a16="http://schemas.microsoft.com/office/drawing/2014/main" val="3519816475"/>
+                  </a:ext>
+                </a:extLst>
+              </a:tr>
+            </a:tbl>
+          </a:graphicData>
+        </a:graphic>
+      </p:graphicFrame>
+    </p:spTree>
+    <p:extLst>
+      <p:ext uri="{BB962C8B-B14F-4D97-AF65-F5344CB8AC3E}">
+        <p14:creationId xmlns:p14="http://schemas.microsoft.com/office/powerpoint/2010/main" val="3820604509"/>
       </p:ext>
     </p:extLst>
   </p:cSld>

--- a/test.pptx
+++ b/test.pptx
@@ -11,6 +11,7 @@
     <p:sldId id="259" r:id="rId5"/>
     <p:sldId id="260" r:id="rId6"/>
     <p:sldId id="261" r:id="rId7"/>
+    <p:sldId id="262" r:id="rId8"/>
   </p:sldIdLst>
   <p:sldSz cx="12192000" cy="6858000"/>
   <p:notesSz cx="6858000" cy="9144000"/>
@@ -3675,7 +3676,7 @@
           <a:p>
             <a:fld id="{18ED1853-EC6A-F244-8D3B-C13A21A74960}" type="datetimeFigureOut">
               <a:rPr lang="en-US" smtClean="0"/>
-              <a:t>7/5/20</a:t>
+              <a:t>7/6/20</a:t>
             </a:fld>
             <a:endParaRPr lang="en-US"/>
           </a:p>
@@ -3843,7 +3844,7 @@
           <a:p>
             <a:fld id="{18ED1853-EC6A-F244-8D3B-C13A21A74960}" type="datetimeFigureOut">
               <a:rPr lang="en-US" smtClean="0"/>
-              <a:t>7/5/20</a:t>
+              <a:t>7/6/20</a:t>
             </a:fld>
             <a:endParaRPr lang="en-US"/>
           </a:p>
@@ -4021,7 +4022,7 @@
           <a:p>
             <a:fld id="{18ED1853-EC6A-F244-8D3B-C13A21A74960}" type="datetimeFigureOut">
               <a:rPr lang="en-US" smtClean="0"/>
-              <a:t>7/5/20</a:t>
+              <a:t>7/6/20</a:t>
             </a:fld>
             <a:endParaRPr lang="en-US"/>
           </a:p>
@@ -4189,7 +4190,7 @@
           <a:p>
             <a:fld id="{18ED1853-EC6A-F244-8D3B-C13A21A74960}" type="datetimeFigureOut">
               <a:rPr lang="en-US" smtClean="0"/>
-              <a:t>7/5/20</a:t>
+              <a:t>7/6/20</a:t>
             </a:fld>
             <a:endParaRPr lang="en-US"/>
           </a:p>
@@ -4434,7 +4435,7 @@
           <a:p>
             <a:fld id="{18ED1853-EC6A-F244-8D3B-C13A21A74960}" type="datetimeFigureOut">
               <a:rPr lang="en-US" smtClean="0"/>
-              <a:t>7/5/20</a:t>
+              <a:t>7/6/20</a:t>
             </a:fld>
             <a:endParaRPr lang="en-US"/>
           </a:p>
@@ -4663,7 +4664,7 @@
           <a:p>
             <a:fld id="{18ED1853-EC6A-F244-8D3B-C13A21A74960}" type="datetimeFigureOut">
               <a:rPr lang="en-US" smtClean="0"/>
-              <a:t>7/5/20</a:t>
+              <a:t>7/6/20</a:t>
             </a:fld>
             <a:endParaRPr lang="en-US"/>
           </a:p>
@@ -5027,7 +5028,7 @@
           <a:p>
             <a:fld id="{18ED1853-EC6A-F244-8D3B-C13A21A74960}" type="datetimeFigureOut">
               <a:rPr lang="en-US" smtClean="0"/>
-              <a:t>7/5/20</a:t>
+              <a:t>7/6/20</a:t>
             </a:fld>
             <a:endParaRPr lang="en-US"/>
           </a:p>
@@ -5144,7 +5145,7 @@
           <a:p>
             <a:fld id="{18ED1853-EC6A-F244-8D3B-C13A21A74960}" type="datetimeFigureOut">
               <a:rPr lang="en-US" smtClean="0"/>
-              <a:t>7/5/20</a:t>
+              <a:t>7/6/20</a:t>
             </a:fld>
             <a:endParaRPr lang="en-US"/>
           </a:p>
@@ -5239,7 +5240,7 @@
           <a:p>
             <a:fld id="{18ED1853-EC6A-F244-8D3B-C13A21A74960}" type="datetimeFigureOut">
               <a:rPr lang="en-US" smtClean="0"/>
-              <a:t>7/5/20</a:t>
+              <a:t>7/6/20</a:t>
             </a:fld>
             <a:endParaRPr lang="en-US"/>
           </a:p>
@@ -5514,7 +5515,7 @@
           <a:p>
             <a:fld id="{18ED1853-EC6A-F244-8D3B-C13A21A74960}" type="datetimeFigureOut">
               <a:rPr lang="en-US" smtClean="0"/>
-              <a:t>7/5/20</a:t>
+              <a:t>7/6/20</a:t>
             </a:fld>
             <a:endParaRPr lang="en-US"/>
           </a:p>
@@ -5766,7 +5767,7 @@
           <a:p>
             <a:fld id="{18ED1853-EC6A-F244-8D3B-C13A21A74960}" type="datetimeFigureOut">
               <a:rPr lang="en-US" smtClean="0"/>
-              <a:t>7/5/20</a:t>
+              <a:t>7/6/20</a:t>
             </a:fld>
             <a:endParaRPr lang="en-US"/>
           </a:p>
@@ -5977,7 +5978,7 @@
           <a:p>
             <a:fld id="{18ED1853-EC6A-F244-8D3B-C13A21A74960}" type="datetimeFigureOut">
               <a:rPr lang="en-US" smtClean="0"/>
-              <a:t>7/5/20</a:t>
+              <a:t>7/6/20</a:t>
             </a:fld>
             <a:endParaRPr lang="en-US"/>
           </a:p>
@@ -10530,6 +10531,487 @@
 </p:sld>
 </file>
 
+<file path=ppt/slides/slide7.xml><?xml version="1.0" encoding="utf-8"?>
+<p:sld xmlns:a="http://schemas.openxmlformats.org/drawingml/2006/main" xmlns:r="http://schemas.openxmlformats.org/officeDocument/2006/relationships" xmlns:p="http://schemas.openxmlformats.org/presentationml/2006/main">
+  <p:cSld>
+    <p:spTree>
+      <p:nvGrpSpPr>
+        <p:cNvPr id="1" name=""/>
+        <p:cNvGrpSpPr/>
+        <p:nvPr/>
+      </p:nvGrpSpPr>
+      <p:grpSpPr>
+        <a:xfrm>
+          <a:off x="0" y="0"/>
+          <a:ext cx="0" cy="0"/>
+          <a:chOff x="0" y="0"/>
+          <a:chExt cx="0" cy="0"/>
+        </a:xfrm>
+      </p:grpSpPr>
+      <p:sp>
+        <p:nvSpPr>
+          <p:cNvPr id="2" name="标题 1">
+            <a:extLst>
+              <a:ext uri="{FF2B5EF4-FFF2-40B4-BE49-F238E27FC236}">
+                <a16:creationId xmlns:a16="http://schemas.microsoft.com/office/drawing/2014/main" id="{9B406D35-9006-EB44-BDB0-663914C3BB93}"/>
+              </a:ext>
+            </a:extLst>
+          </p:cNvPr>
+          <p:cNvSpPr>
+            <a:spLocks noGrp="1"/>
+          </p:cNvSpPr>
+          <p:nvPr>
+            <p:ph type="title"/>
+          </p:nvPr>
+        </p:nvSpPr>
+        <p:spPr/>
+        <p:txBody>
+          <a:bodyPr/>
+          <a:lstStyle/>
+          <a:p>
+            <a:endParaRPr kumimoji="1" lang="zh-CN" altLang="en-US"/>
+          </a:p>
+        </p:txBody>
+      </p:sp>
+      <p:graphicFrame>
+        <p:nvGraphicFramePr>
+          <p:cNvPr id="5" name="表格 4">
+            <a:extLst>
+              <a:ext uri="{FF2B5EF4-FFF2-40B4-BE49-F238E27FC236}">
+                <a16:creationId xmlns:a16="http://schemas.microsoft.com/office/drawing/2014/main" id="{07933F15-795E-914D-AE36-FE2A178BDC3A}"/>
+              </a:ext>
+            </a:extLst>
+          </p:cNvPr>
+          <p:cNvGraphicFramePr>
+            <a:graphicFrameLocks noGrp="1"/>
+          </p:cNvGraphicFramePr>
+          <p:nvPr>
+            <p:extLst>
+              <p:ext uri="{D42A27DB-BD31-4B8C-83A1-F6EECF244321}">
+                <p14:modId xmlns:p14="http://schemas.microsoft.com/office/powerpoint/2010/main" val="114981705"/>
+              </p:ext>
+            </p:extLst>
+          </p:nvPr>
+        </p:nvGraphicFramePr>
+        <p:xfrm>
+          <a:off x="5593976" y="2687319"/>
+          <a:ext cx="5020236" cy="2823144"/>
+        </p:xfrm>
+        <a:graphic>
+          <a:graphicData uri="http://schemas.openxmlformats.org/drawingml/2006/table">
+            <a:tbl>
+              <a:tblPr firstRow="1" bandRow="1">
+                <a:tableStyleId>{5C22544A-7EE6-4342-B048-85BDC9FD1C3A}</a:tableStyleId>
+              </a:tblPr>
+              <a:tblGrid>
+                <a:gridCol w="842682">
+                  <a:extLst>
+                    <a:ext uri="{9D8B030D-6E8A-4147-A177-3AD203B41FA5}">
+                      <a16:colId xmlns:a16="http://schemas.microsoft.com/office/drawing/2014/main" val="1741612476"/>
+                    </a:ext>
+                  </a:extLst>
+                </a:gridCol>
+                <a:gridCol w="1057835">
+                  <a:extLst>
+                    <a:ext uri="{9D8B030D-6E8A-4147-A177-3AD203B41FA5}">
+                      <a16:colId xmlns:a16="http://schemas.microsoft.com/office/drawing/2014/main" val="2668803933"/>
+                    </a:ext>
+                  </a:extLst>
+                </a:gridCol>
+                <a:gridCol w="1021977">
+                  <a:extLst>
+                    <a:ext uri="{9D8B030D-6E8A-4147-A177-3AD203B41FA5}">
+                      <a16:colId xmlns:a16="http://schemas.microsoft.com/office/drawing/2014/main" val="850067938"/>
+                    </a:ext>
+                  </a:extLst>
+                </a:gridCol>
+                <a:gridCol w="950258">
+                  <a:extLst>
+                    <a:ext uri="{9D8B030D-6E8A-4147-A177-3AD203B41FA5}">
+                      <a16:colId xmlns:a16="http://schemas.microsoft.com/office/drawing/2014/main" val="2515764433"/>
+                    </a:ext>
+                  </a:extLst>
+                </a:gridCol>
+                <a:gridCol w="1147484">
+                  <a:extLst>
+                    <a:ext uri="{9D8B030D-6E8A-4147-A177-3AD203B41FA5}">
+                      <a16:colId xmlns:a16="http://schemas.microsoft.com/office/drawing/2014/main" val="2548010776"/>
+                    </a:ext>
+                  </a:extLst>
+                </a:gridCol>
+              </a:tblGrid>
+              <a:tr h="705786">
+                <a:tc>
+                  <a:txBody>
+                    <a:bodyPr/>
+                    <a:lstStyle/>
+                    <a:p>
+                      <a:pPr algn="ctr"/>
+                      <a:r>
+                        <a:rPr lang="zh-CN" altLang="en-US"/>
+                        <a:t>名次</a:t>
+                      </a:r>
+                    </a:p>
+                  </a:txBody>
+                  <a:tcPr anchor="ctr"/>
+                </a:tc>
+                <a:tc>
+                  <a:txBody>
+                    <a:bodyPr/>
+                    <a:lstStyle/>
+                    <a:p>
+                      <a:pPr algn="ctr"/>
+                      <a:r>
+                        <a:rPr lang="en-US" altLang="zh-CN"/>
+                        <a:t>Domain</a:t>
+                      </a:r>
+                    </a:p>
+                    <a:p>
+                      <a:pPr algn="ctr"/>
+                      <a:r>
+                        <a:rPr lang="en-US" altLang="zh-CN"/>
+                        <a:t>Acc</a:t>
+                      </a:r>
+                      <a:endParaRPr lang="zh-CN" altLang="en-US"/>
+                    </a:p>
+                  </a:txBody>
+                  <a:tcPr anchor="ctr"/>
+                </a:tc>
+                <a:tc>
+                  <a:txBody>
+                    <a:bodyPr/>
+                    <a:lstStyle/>
+                    <a:p>
+                      <a:pPr algn="ctr"/>
+                      <a:r>
+                        <a:rPr lang="en-US" altLang="zh-CN"/>
+                        <a:t>Intent</a:t>
+                      </a:r>
+                    </a:p>
+                    <a:p>
+                      <a:pPr algn="ctr"/>
+                      <a:r>
+                        <a:rPr lang="en-US" altLang="zh-CN"/>
+                        <a:t>Acc</a:t>
+                      </a:r>
+                      <a:endParaRPr lang="zh-CN" altLang="en-US"/>
+                    </a:p>
+                  </a:txBody>
+                  <a:tcPr anchor="ctr"/>
+                </a:tc>
+                <a:tc>
+                  <a:txBody>
+                    <a:bodyPr/>
+                    <a:lstStyle/>
+                    <a:p>
+                      <a:pPr algn="ctr"/>
+                      <a:r>
+                        <a:rPr lang="en-US" altLang="zh-CN"/>
+                        <a:t>Slots</a:t>
+                      </a:r>
+                    </a:p>
+                    <a:p>
+                      <a:pPr algn="ctr"/>
+                      <a:r>
+                        <a:rPr lang="en-US" altLang="zh-CN"/>
+                        <a:t>F1</a:t>
+                      </a:r>
+                      <a:endParaRPr lang="zh-CN" altLang="en-US"/>
+                    </a:p>
+                  </a:txBody>
+                  <a:tcPr anchor="ctr"/>
+                </a:tc>
+                <a:tc>
+                  <a:txBody>
+                    <a:bodyPr/>
+                    <a:lstStyle/>
+                    <a:p>
+                      <a:pPr algn="ctr"/>
+                      <a:r>
+                        <a:rPr lang="en-US" altLang="zh-CN"/>
+                        <a:t>Sentence</a:t>
+                      </a:r>
+                    </a:p>
+                    <a:p>
+                      <a:pPr algn="ctr"/>
+                      <a:r>
+                        <a:rPr lang="en-US" altLang="zh-CN"/>
+                        <a:t>Acc</a:t>
+                      </a:r>
+                      <a:endParaRPr lang="zh-CN" altLang="en-US"/>
+                    </a:p>
+                  </a:txBody>
+                  <a:tcPr anchor="ctr"/>
+                </a:tc>
+                <a:extLst>
+                  <a:ext uri="{0D108BD9-81ED-4DB2-BD59-A6C34878D82A}">
+                    <a16:rowId xmlns:a16="http://schemas.microsoft.com/office/drawing/2014/main" val="2360658764"/>
+                  </a:ext>
+                </a:extLst>
+              </a:tr>
+              <a:tr h="705786">
+                <a:tc>
+                  <a:txBody>
+                    <a:bodyPr/>
+                    <a:lstStyle/>
+                    <a:p>
+                      <a:pPr algn="ctr"/>
+                      <a:r>
+                        <a:rPr lang="en-US" altLang="zh-CN"/>
+                        <a:t>1</a:t>
+                      </a:r>
+                      <a:endParaRPr lang="zh-CN" altLang="en-US"/>
+                    </a:p>
+                  </a:txBody>
+                  <a:tcPr anchor="ctr"/>
+                </a:tc>
+                <a:tc>
+                  <a:txBody>
+                    <a:bodyPr/>
+                    <a:lstStyle/>
+                    <a:p>
+                      <a:pPr algn="ctr"/>
+                      <a:r>
+                        <a:rPr lang="en-US" altLang="zh-CN"/>
+                        <a:t>0.9730</a:t>
+                      </a:r>
+                      <a:endParaRPr lang="zh-CN" altLang="en-US"/>
+                    </a:p>
+                  </a:txBody>
+                  <a:tcPr anchor="ctr"/>
+                </a:tc>
+                <a:tc>
+                  <a:txBody>
+                    <a:bodyPr/>
+                    <a:lstStyle/>
+                    <a:p>
+                      <a:pPr algn="ctr"/>
+                      <a:r>
+                        <a:rPr lang="en-US" altLang="zh-CN"/>
+                        <a:t>0.9171</a:t>
+                      </a:r>
+                      <a:endParaRPr lang="zh-CN" altLang="en-US"/>
+                    </a:p>
+                  </a:txBody>
+                  <a:tcPr anchor="ctr"/>
+                </a:tc>
+                <a:tc>
+                  <a:txBody>
+                    <a:bodyPr/>
+                    <a:lstStyle/>
+                    <a:p>
+                      <a:pPr algn="ctr"/>
+                      <a:r>
+                        <a:rPr lang="en-US" altLang="zh-CN"/>
+                        <a:t>0.8128</a:t>
+                      </a:r>
+                      <a:endParaRPr lang="zh-CN" altLang="en-US"/>
+                    </a:p>
+                  </a:txBody>
+                  <a:tcPr anchor="ctr"/>
+                </a:tc>
+                <a:tc>
+                  <a:txBody>
+                    <a:bodyPr/>
+                    <a:lstStyle/>
+                    <a:p>
+                      <a:pPr algn="ctr"/>
+                      <a:r>
+                        <a:rPr lang="en-US" altLang="zh-CN"/>
+                        <a:t>0.7223</a:t>
+                      </a:r>
+                      <a:endParaRPr lang="zh-CN" altLang="en-US"/>
+                    </a:p>
+                  </a:txBody>
+                  <a:tcPr anchor="ctr"/>
+                </a:tc>
+                <a:extLst>
+                  <a:ext uri="{0D108BD9-81ED-4DB2-BD59-A6C34878D82A}">
+                    <a16:rowId xmlns:a16="http://schemas.microsoft.com/office/drawing/2014/main" val="3498614499"/>
+                  </a:ext>
+                </a:extLst>
+              </a:tr>
+              <a:tr h="705786">
+                <a:tc>
+                  <a:txBody>
+                    <a:bodyPr/>
+                    <a:lstStyle/>
+                    <a:p>
+                      <a:pPr algn="ctr"/>
+                      <a:r>
+                        <a:rPr lang="en-US" altLang="zh-CN"/>
+                        <a:t>2</a:t>
+                      </a:r>
+                      <a:endParaRPr lang="zh-CN" altLang="en-US"/>
+                    </a:p>
+                  </a:txBody>
+                  <a:tcPr anchor="ctr"/>
+                </a:tc>
+                <a:tc>
+                  <a:txBody>
+                    <a:bodyPr/>
+                    <a:lstStyle/>
+                    <a:p>
+                      <a:pPr algn="ctr"/>
+                      <a:r>
+                        <a:rPr lang="en-US" altLang="zh-CN"/>
+                        <a:t>0.9450</a:t>
+                      </a:r>
+                      <a:endParaRPr lang="zh-CN" altLang="en-US"/>
+                    </a:p>
+                  </a:txBody>
+                  <a:tcPr anchor="ctr"/>
+                </a:tc>
+                <a:tc>
+                  <a:txBody>
+                    <a:bodyPr/>
+                    <a:lstStyle/>
+                    <a:p>
+                      <a:pPr algn="ctr"/>
+                      <a:r>
+                        <a:rPr lang="en-US" altLang="zh-CN"/>
+                        <a:t>0.8717</a:t>
+                      </a:r>
+                      <a:endParaRPr lang="zh-CN" altLang="en-US"/>
+                    </a:p>
+                  </a:txBody>
+                  <a:tcPr anchor="ctr"/>
+                </a:tc>
+                <a:tc>
+                  <a:txBody>
+                    <a:bodyPr/>
+                    <a:lstStyle/>
+                    <a:p>
+                      <a:pPr algn="ctr"/>
+                      <a:r>
+                        <a:rPr lang="en-US" altLang="zh-CN"/>
+                        <a:t>0.7597</a:t>
+                      </a:r>
+                      <a:endParaRPr lang="zh-CN" altLang="en-US"/>
+                    </a:p>
+                  </a:txBody>
+                  <a:tcPr anchor="ctr"/>
+                </a:tc>
+                <a:tc>
+                  <a:txBody>
+                    <a:bodyPr/>
+                    <a:lstStyle/>
+                    <a:p>
+                      <a:pPr algn="ctr"/>
+                      <a:r>
+                        <a:rPr lang="en-US" altLang="zh-CN"/>
+                        <a:t>0.6519</a:t>
+                      </a:r>
+                      <a:endParaRPr lang="zh-CN" altLang="en-US"/>
+                    </a:p>
+                  </a:txBody>
+                  <a:tcPr anchor="ctr"/>
+                </a:tc>
+                <a:extLst>
+                  <a:ext uri="{0D108BD9-81ED-4DB2-BD59-A6C34878D82A}">
+                    <a16:rowId xmlns:a16="http://schemas.microsoft.com/office/drawing/2014/main" val="3632531779"/>
+                  </a:ext>
+                </a:extLst>
+              </a:tr>
+              <a:tr h="705786">
+                <a:tc>
+                  <a:txBody>
+                    <a:bodyPr/>
+                    <a:lstStyle/>
+                    <a:p>
+                      <a:pPr algn="ctr"/>
+                      <a:r>
+                        <a:rPr lang="en-US" altLang="zh-CN"/>
+                        <a:t>3</a:t>
+                      </a:r>
+                      <a:endParaRPr lang="zh-CN" altLang="en-US"/>
+                    </a:p>
+                  </a:txBody>
+                  <a:tcPr anchor="ctr"/>
+                </a:tc>
+                <a:tc>
+                  <a:txBody>
+                    <a:bodyPr/>
+                    <a:lstStyle/>
+                    <a:p>
+                      <a:pPr algn="ctr"/>
+                      <a:r>
+                        <a:rPr lang="en-US" altLang="zh-CN"/>
+                        <a:t>0.9277</a:t>
+                      </a:r>
+                      <a:endParaRPr lang="zh-CN" altLang="en-US"/>
+                    </a:p>
+                  </a:txBody>
+                  <a:tcPr anchor="ctr"/>
+                </a:tc>
+                <a:tc>
+                  <a:txBody>
+                    <a:bodyPr/>
+                    <a:lstStyle/>
+                    <a:p>
+                      <a:pPr algn="ctr"/>
+                      <a:r>
+                        <a:rPr lang="en-US" altLang="zh-CN"/>
+                        <a:t>0.8660</a:t>
+                      </a:r>
+                      <a:endParaRPr lang="zh-CN" altLang="en-US"/>
+                    </a:p>
+                  </a:txBody>
+                  <a:tcPr anchor="ctr"/>
+                </a:tc>
+                <a:tc>
+                  <a:txBody>
+                    <a:bodyPr/>
+                    <a:lstStyle/>
+                    <a:p>
+                      <a:pPr algn="ctr"/>
+                      <a:r>
+                        <a:rPr lang="en-US" altLang="zh-CN"/>
+                        <a:t>0.7441</a:t>
+                      </a:r>
+                      <a:endParaRPr lang="zh-CN" altLang="en-US"/>
+                    </a:p>
+                  </a:txBody>
+                  <a:tcPr anchor="ctr"/>
+                </a:tc>
+                <a:tc>
+                  <a:txBody>
+                    <a:bodyPr/>
+                    <a:lstStyle/>
+                    <a:p>
+                      <a:pPr algn="ctr"/>
+                      <a:r>
+                        <a:rPr lang="en-US" altLang="zh-CN"/>
+                        <a:t>0.6258</a:t>
+                      </a:r>
+                      <a:endParaRPr lang="zh-CN" altLang="en-US"/>
+                    </a:p>
+                  </a:txBody>
+                  <a:tcPr anchor="ctr"/>
+                </a:tc>
+                <a:extLst>
+                  <a:ext uri="{0D108BD9-81ED-4DB2-BD59-A6C34878D82A}">
+                    <a16:rowId xmlns:a16="http://schemas.microsoft.com/office/drawing/2014/main" val="164694157"/>
+                  </a:ext>
+                </a:extLst>
+              </a:tr>
+            </a:tbl>
+          </a:graphicData>
+        </a:graphic>
+      </p:graphicFrame>
+    </p:spTree>
+    <p:extLst>
+      <p:ext uri="{BB962C8B-B14F-4D97-AF65-F5344CB8AC3E}">
+        <p14:creationId xmlns:p14="http://schemas.microsoft.com/office/powerpoint/2010/main" val="1382274321"/>
+      </p:ext>
+    </p:extLst>
+  </p:cSld>
+  <p:clrMapOvr>
+    <a:masterClrMapping/>
+  </p:clrMapOvr>
+</p:sld>
+</file>
+
 <file path=ppt/theme/theme1.xml><?xml version="1.0" encoding="utf-8"?>
 <a:theme xmlns:a="http://schemas.openxmlformats.org/drawingml/2006/main" name="Office Theme">
   <a:themeElements>
